--- a/Practice/Harsh S Kharecha PPT.pptx
+++ b/Practice/Harsh S Kharecha PPT.pptx
@@ -135,6 +135,11 @@
       </a:defRPr>
     </a:lvl9pPr>
   </p:defaultTextStyle>
+  <p:extLst>
+    <p:ext uri="{EFAFB233-063F-42B5-8137-9DF3F51BA10A}">
+      <p15:sldGuideLst xmlns:p15="http://schemas.microsoft.com/office/powerpoint/2012/main"/>
+    </p:ext>
+  </p:extLst>
 </p:presentation>
 </file>
 
@@ -220,7 +225,7 @@
           <a:p>
             <a:fld id="{461F5EA7-E9EA-4A4F-86DB-726BC8467098}" type="datetimeFigureOut">
               <a:rPr lang="en-US" smtClean="0"/>
-              <a:t>12/27/2025</a:t>
+              <a:t>1/9/2026</a:t>
             </a:fld>
             <a:endParaRPr lang="en-US"/>
           </a:p>
@@ -515,6 +520,13 @@
           </p:nvPr>
         </p:nvSpPr>
         <p:spPr/>
+        <p:txBody>
+          <a:bodyPr/>
+          <a:lstStyle/>
+          <a:p>
+            <a:endParaRPr lang="en-US"/>
+          </a:p>
+        </p:txBody>
       </p:sp>
       <p:sp>
         <p:nvSpPr>
@@ -611,6 +623,13 @@
           </p:nvPr>
         </p:nvSpPr>
         <p:spPr/>
+        <p:txBody>
+          <a:bodyPr/>
+          <a:lstStyle/>
+          <a:p>
+            <a:endParaRPr lang="en-US"/>
+          </a:p>
+        </p:txBody>
       </p:sp>
       <p:sp>
         <p:nvSpPr>
@@ -719,6 +738,13 @@
           </p:nvPr>
         </p:nvSpPr>
         <p:spPr/>
+        <p:txBody>
+          <a:bodyPr/>
+          <a:lstStyle/>
+          <a:p>
+            <a:endParaRPr lang="en-US"/>
+          </a:p>
+        </p:txBody>
       </p:sp>
       <p:sp>
         <p:nvSpPr>
@@ -827,6 +853,13 @@
           </p:nvPr>
         </p:nvSpPr>
         <p:spPr/>
+        <p:txBody>
+          <a:bodyPr/>
+          <a:lstStyle/>
+          <a:p>
+            <a:endParaRPr lang="en-US"/>
+          </a:p>
+        </p:txBody>
       </p:sp>
       <p:sp>
         <p:nvSpPr>
@@ -935,6 +968,13 @@
           </p:nvPr>
         </p:nvSpPr>
         <p:spPr/>
+        <p:txBody>
+          <a:bodyPr/>
+          <a:lstStyle/>
+          <a:p>
+            <a:endParaRPr lang="en-US"/>
+          </a:p>
+        </p:txBody>
       </p:sp>
       <p:sp>
         <p:nvSpPr>
@@ -1043,6 +1083,13 @@
           </p:nvPr>
         </p:nvSpPr>
         <p:spPr/>
+        <p:txBody>
+          <a:bodyPr/>
+          <a:lstStyle/>
+          <a:p>
+            <a:endParaRPr lang="en-US"/>
+          </a:p>
+        </p:txBody>
       </p:sp>
       <p:sp>
         <p:nvSpPr>
@@ -1151,6 +1198,13 @@
           </p:nvPr>
         </p:nvSpPr>
         <p:spPr/>
+        <p:txBody>
+          <a:bodyPr/>
+          <a:lstStyle/>
+          <a:p>
+            <a:endParaRPr lang="en-US"/>
+          </a:p>
+        </p:txBody>
       </p:sp>
       <p:sp>
         <p:nvSpPr>
@@ -1259,6 +1313,13 @@
           </p:nvPr>
         </p:nvSpPr>
         <p:spPr/>
+        <p:txBody>
+          <a:bodyPr/>
+          <a:lstStyle/>
+          <a:p>
+            <a:endParaRPr lang="en-US"/>
+          </a:p>
+        </p:txBody>
       </p:sp>
       <p:sp>
         <p:nvSpPr>
@@ -1367,6 +1428,13 @@
           </p:nvPr>
         </p:nvSpPr>
         <p:spPr/>
+        <p:txBody>
+          <a:bodyPr/>
+          <a:lstStyle/>
+          <a:p>
+            <a:endParaRPr lang="en-US"/>
+          </a:p>
+        </p:txBody>
       </p:sp>
       <p:sp>
         <p:nvSpPr>
@@ -1475,6 +1543,13 @@
           </p:nvPr>
         </p:nvSpPr>
         <p:spPr/>
+        <p:txBody>
+          <a:bodyPr/>
+          <a:lstStyle/>
+          <a:p>
+            <a:endParaRPr lang="en-US"/>
+          </a:p>
+        </p:txBody>
       </p:sp>
       <p:sp>
         <p:nvSpPr>
@@ -1583,6 +1658,13 @@
           </p:nvPr>
         </p:nvSpPr>
         <p:spPr/>
+        <p:txBody>
+          <a:bodyPr/>
+          <a:lstStyle/>
+          <a:p>
+            <a:endParaRPr lang="en-US"/>
+          </a:p>
+        </p:txBody>
       </p:sp>
       <p:sp>
         <p:nvSpPr>
@@ -1691,6 +1773,13 @@
           </p:nvPr>
         </p:nvSpPr>
         <p:spPr/>
+        <p:txBody>
+          <a:bodyPr/>
+          <a:lstStyle/>
+          <a:p>
+            <a:endParaRPr lang="en-US"/>
+          </a:p>
+        </p:txBody>
       </p:sp>
       <p:sp>
         <p:nvSpPr>
@@ -1799,6 +1888,13 @@
           </p:nvPr>
         </p:nvSpPr>
         <p:spPr/>
+        <p:txBody>
+          <a:bodyPr/>
+          <a:lstStyle/>
+          <a:p>
+            <a:endParaRPr lang="en-US"/>
+          </a:p>
+        </p:txBody>
       </p:sp>
       <p:sp>
         <p:nvSpPr>
@@ -1907,6 +2003,13 @@
           </p:nvPr>
         </p:nvSpPr>
         <p:spPr/>
+        <p:txBody>
+          <a:bodyPr/>
+          <a:lstStyle/>
+          <a:p>
+            <a:endParaRPr lang="en-US"/>
+          </a:p>
+        </p:txBody>
       </p:sp>
       <p:sp>
         <p:nvSpPr>
@@ -2015,6 +2118,13 @@
           </p:nvPr>
         </p:nvSpPr>
         <p:spPr/>
+        <p:txBody>
+          <a:bodyPr/>
+          <a:lstStyle/>
+          <a:p>
+            <a:endParaRPr lang="en-US"/>
+          </a:p>
+        </p:txBody>
       </p:sp>
       <p:sp>
         <p:nvSpPr>
@@ -2123,6 +2233,13 @@
           </p:nvPr>
         </p:nvSpPr>
         <p:spPr/>
+        <p:txBody>
+          <a:bodyPr/>
+          <a:lstStyle/>
+          <a:p>
+            <a:endParaRPr lang="en-US"/>
+          </a:p>
+        </p:txBody>
       </p:sp>
       <p:sp>
         <p:nvSpPr>
@@ -2231,6 +2348,13 @@
           </p:nvPr>
         </p:nvSpPr>
         <p:spPr/>
+        <p:txBody>
+          <a:bodyPr/>
+          <a:lstStyle/>
+          <a:p>
+            <a:endParaRPr lang="en-US"/>
+          </a:p>
+        </p:txBody>
       </p:sp>
       <p:sp>
         <p:nvSpPr>
@@ -2339,6 +2463,13 @@
           </p:nvPr>
         </p:nvSpPr>
         <p:spPr/>
+        <p:txBody>
+          <a:bodyPr/>
+          <a:lstStyle/>
+          <a:p>
+            <a:endParaRPr lang="en-US"/>
+          </a:p>
+        </p:txBody>
       </p:sp>
       <p:sp>
         <p:nvSpPr>
@@ -2447,6 +2578,13 @@
           </p:nvPr>
         </p:nvSpPr>
         <p:spPr/>
+        <p:txBody>
+          <a:bodyPr/>
+          <a:lstStyle/>
+          <a:p>
+            <a:endParaRPr lang="en-US"/>
+          </a:p>
+        </p:txBody>
       </p:sp>
       <p:sp>
         <p:nvSpPr>
@@ -2555,6 +2693,13 @@
           </p:nvPr>
         </p:nvSpPr>
         <p:spPr/>
+        <p:txBody>
+          <a:bodyPr/>
+          <a:lstStyle/>
+          <a:p>
+            <a:endParaRPr lang="en-US"/>
+          </a:p>
+        </p:txBody>
       </p:sp>
       <p:sp>
         <p:nvSpPr>
@@ -2663,6 +2808,13 @@
           </p:nvPr>
         </p:nvSpPr>
         <p:spPr/>
+        <p:txBody>
+          <a:bodyPr/>
+          <a:lstStyle/>
+          <a:p>
+            <a:endParaRPr lang="en-US"/>
+          </a:p>
+        </p:txBody>
       </p:sp>
       <p:sp>
         <p:nvSpPr>
@@ -2771,6 +2923,13 @@
           </p:nvPr>
         </p:nvSpPr>
         <p:spPr/>
+        <p:txBody>
+          <a:bodyPr/>
+          <a:lstStyle/>
+          <a:p>
+            <a:endParaRPr lang="en-US"/>
+          </a:p>
+        </p:txBody>
       </p:sp>
       <p:sp>
         <p:nvSpPr>
@@ -2879,6 +3038,13 @@
           </p:nvPr>
         </p:nvSpPr>
         <p:spPr/>
+        <p:txBody>
+          <a:bodyPr/>
+          <a:lstStyle/>
+          <a:p>
+            <a:endParaRPr lang="en-US"/>
+          </a:p>
+        </p:txBody>
       </p:sp>
       <p:sp>
         <p:nvSpPr>
@@ -2987,6 +3153,13 @@
           </p:nvPr>
         </p:nvSpPr>
         <p:spPr/>
+        <p:txBody>
+          <a:bodyPr/>
+          <a:lstStyle/>
+          <a:p>
+            <a:endParaRPr lang="en-US"/>
+          </a:p>
+        </p:txBody>
       </p:sp>
       <p:sp>
         <p:nvSpPr>
@@ -3095,6 +3268,13 @@
           </p:nvPr>
         </p:nvSpPr>
         <p:spPr/>
+        <p:txBody>
+          <a:bodyPr/>
+          <a:lstStyle/>
+          <a:p>
+            <a:endParaRPr lang="en-US"/>
+          </a:p>
+        </p:txBody>
       </p:sp>
       <p:sp>
         <p:nvSpPr>
@@ -3203,6 +3383,13 @@
           </p:nvPr>
         </p:nvSpPr>
         <p:spPr/>
+        <p:txBody>
+          <a:bodyPr/>
+          <a:lstStyle/>
+          <a:p>
+            <a:endParaRPr lang="en-US"/>
+          </a:p>
+        </p:txBody>
       </p:sp>
       <p:sp>
         <p:nvSpPr>
@@ -3311,6 +3498,13 @@
           </p:nvPr>
         </p:nvSpPr>
         <p:spPr/>
+        <p:txBody>
+          <a:bodyPr/>
+          <a:lstStyle/>
+          <a:p>
+            <a:endParaRPr lang="en-US"/>
+          </a:p>
+        </p:txBody>
       </p:sp>
       <p:sp>
         <p:nvSpPr>
@@ -3419,6 +3613,13 @@
           </p:nvPr>
         </p:nvSpPr>
         <p:spPr/>
+        <p:txBody>
+          <a:bodyPr/>
+          <a:lstStyle/>
+          <a:p>
+            <a:endParaRPr lang="en-US"/>
+          </a:p>
+        </p:txBody>
       </p:sp>
       <p:sp>
         <p:nvSpPr>
@@ -3634,7 +3835,7 @@
           <a:p>
             <a:fld id="{A74AD4F0-8F04-48CF-BBED-3A088ECD3B7E}" type="datetimeFigureOut">
               <a:rPr lang="en-US" smtClean="0"/>
-              <a:t>12/27/2025</a:t>
+              <a:t>1/9/2026</a:t>
             </a:fld>
             <a:endParaRPr lang="en-US"/>
           </a:p>
@@ -3832,7 +4033,7 @@
           <a:p>
             <a:fld id="{A74AD4F0-8F04-48CF-BBED-3A088ECD3B7E}" type="datetimeFigureOut">
               <a:rPr lang="en-US" smtClean="0"/>
-              <a:t>12/27/2025</a:t>
+              <a:t>1/9/2026</a:t>
             </a:fld>
             <a:endParaRPr lang="en-US"/>
           </a:p>
@@ -4040,7 +4241,7 @@
           <a:p>
             <a:fld id="{A74AD4F0-8F04-48CF-BBED-3A088ECD3B7E}" type="datetimeFigureOut">
               <a:rPr lang="en-US" smtClean="0"/>
-              <a:t>12/27/2025</a:t>
+              <a:t>1/9/2026</a:t>
             </a:fld>
             <a:endParaRPr lang="en-US"/>
           </a:p>
@@ -4238,7 +4439,7 @@
           <a:p>
             <a:fld id="{A74AD4F0-8F04-48CF-BBED-3A088ECD3B7E}" type="datetimeFigureOut">
               <a:rPr lang="en-US" smtClean="0"/>
-              <a:t>12/27/2025</a:t>
+              <a:t>1/9/2026</a:t>
             </a:fld>
             <a:endParaRPr lang="en-US"/>
           </a:p>
@@ -4513,7 +4714,7 @@
           <a:p>
             <a:fld id="{A74AD4F0-8F04-48CF-BBED-3A088ECD3B7E}" type="datetimeFigureOut">
               <a:rPr lang="en-US" smtClean="0"/>
-              <a:t>12/27/2025</a:t>
+              <a:t>1/9/2026</a:t>
             </a:fld>
             <a:endParaRPr lang="en-US"/>
           </a:p>
@@ -4778,7 +4979,7 @@
           <a:p>
             <a:fld id="{A74AD4F0-8F04-48CF-BBED-3A088ECD3B7E}" type="datetimeFigureOut">
               <a:rPr lang="en-US" smtClean="0"/>
-              <a:t>12/27/2025</a:t>
+              <a:t>1/9/2026</a:t>
             </a:fld>
             <a:endParaRPr lang="en-US"/>
           </a:p>
@@ -5190,7 +5391,7 @@
           <a:p>
             <a:fld id="{A74AD4F0-8F04-48CF-BBED-3A088ECD3B7E}" type="datetimeFigureOut">
               <a:rPr lang="en-US" smtClean="0"/>
-              <a:t>12/27/2025</a:t>
+              <a:t>1/9/2026</a:t>
             </a:fld>
             <a:endParaRPr lang="en-US"/>
           </a:p>
@@ -5331,7 +5532,7 @@
           <a:p>
             <a:fld id="{A74AD4F0-8F04-48CF-BBED-3A088ECD3B7E}" type="datetimeFigureOut">
               <a:rPr lang="en-US" smtClean="0"/>
-              <a:t>12/27/2025</a:t>
+              <a:t>1/9/2026</a:t>
             </a:fld>
             <a:endParaRPr lang="en-US"/>
           </a:p>
@@ -5444,7 +5645,7 @@
           <a:p>
             <a:fld id="{A74AD4F0-8F04-48CF-BBED-3A088ECD3B7E}" type="datetimeFigureOut">
               <a:rPr lang="en-US" smtClean="0"/>
-              <a:t>12/27/2025</a:t>
+              <a:t>1/9/2026</a:t>
             </a:fld>
             <a:endParaRPr lang="en-US"/>
           </a:p>
@@ -5755,7 +5956,7 @@
           <a:p>
             <a:fld id="{A74AD4F0-8F04-48CF-BBED-3A088ECD3B7E}" type="datetimeFigureOut">
               <a:rPr lang="en-US" smtClean="0"/>
-              <a:t>12/27/2025</a:t>
+              <a:t>1/9/2026</a:t>
             </a:fld>
             <a:endParaRPr lang="en-US"/>
           </a:p>
@@ -6043,7 +6244,7 @@
           <a:p>
             <a:fld id="{A74AD4F0-8F04-48CF-BBED-3A088ECD3B7E}" type="datetimeFigureOut">
               <a:rPr lang="en-US" smtClean="0"/>
-              <a:t>12/27/2025</a:t>
+              <a:t>1/9/2026</a:t>
             </a:fld>
             <a:endParaRPr lang="en-US"/>
           </a:p>
@@ -6284,7 +6485,7 @@
           <a:p>
             <a:fld id="{A74AD4F0-8F04-48CF-BBED-3A088ECD3B7E}" type="datetimeFigureOut">
               <a:rPr lang="en-US" smtClean="0"/>
-              <a:t>12/27/2025</a:t>
+              <a:t>1/9/2026</a:t>
             </a:fld>
             <a:endParaRPr lang="en-US"/>
           </a:p>
@@ -7506,17 +7707,7 @@
                   <a:srgbClr val="00B050"/>
                 </a:solidFill>
               </a:rPr>
-              <a:t>With Graphics, Code &amp; Animations</a:t>
-            </a:r>
-          </a:p>
-          <a:p>
-            <a:r>
-              <a:rPr dirty="0">
-                <a:solidFill>
-                  <a:srgbClr val="00B050"/>
-                </a:solidFill>
-              </a:rPr>
-              <a:t>(Interactive Teaching Slides)</a:t>
+              <a:t>With Coding</a:t>
             </a:r>
           </a:p>
         </p:txBody>
@@ -7531,13 +7722,13 @@
   <p:clrMapOvr>
     <a:masterClrMapping/>
   </p:clrMapOvr>
-  <mc:AlternateContent xmlns:mc="http://schemas.openxmlformats.org/markup-compatibility/2006">
-    <mc:Choice xmlns:p159="http://schemas.microsoft.com/office/powerpoint/2015/09/main" Requires="p159">
+  <mc:AlternateContent xmlns:mc="http://schemas.openxmlformats.org/markup-compatibility/2006" xmlns:p159="http://schemas.microsoft.com/office/powerpoint/2015/09/main">
+    <mc:Choice Requires="p159">
       <p:transition xmlns:p14="http://schemas.microsoft.com/office/powerpoint/2010/main" spd="slow" p14:dur="1590">
         <p159:morph option="byObject"/>
       </p:transition>
     </mc:Choice>
-    <mc:Fallback>
+    <mc:Fallback xmlns="">
       <p:transition spd="slow">
         <p:fade/>
       </p:transition>
@@ -8315,13 +8506,13 @@
   <p:clrMapOvr>
     <a:masterClrMapping/>
   </p:clrMapOvr>
-  <mc:AlternateContent xmlns:mc="http://schemas.openxmlformats.org/markup-compatibility/2006">
-    <mc:Choice xmlns:p159="http://schemas.microsoft.com/office/powerpoint/2015/09/main" Requires="p159">
+  <mc:AlternateContent xmlns:mc="http://schemas.openxmlformats.org/markup-compatibility/2006" xmlns:p159="http://schemas.microsoft.com/office/powerpoint/2015/09/main">
+    <mc:Choice Requires="p159">
       <p:transition xmlns:p14="http://schemas.microsoft.com/office/powerpoint/2010/main" p14:dur="10" advClick="0" advTm="0">
         <p159:morph option="byObject"/>
       </p:transition>
     </mc:Choice>
-    <mc:Fallback>
+    <mc:Fallback xmlns="">
       <p:transition advClick="0" advTm="0">
         <p:fade/>
       </p:transition>
@@ -9200,13 +9391,13 @@
   <p:clrMapOvr>
     <a:masterClrMapping/>
   </p:clrMapOvr>
-  <mc:AlternateContent xmlns:mc="http://schemas.openxmlformats.org/markup-compatibility/2006">
-    <mc:Choice xmlns:p159="http://schemas.microsoft.com/office/powerpoint/2015/09/main" Requires="p159">
+  <mc:AlternateContent xmlns:mc="http://schemas.openxmlformats.org/markup-compatibility/2006" xmlns:p159="http://schemas.microsoft.com/office/powerpoint/2015/09/main">
+    <mc:Choice Requires="p159">
       <p:transition xmlns:p14="http://schemas.microsoft.com/office/powerpoint/2010/main" spd="slow" p14:dur="1590">
         <p159:morph option="byObject"/>
       </p:transition>
     </mc:Choice>
-    <mc:Fallback>
+    <mc:Fallback xmlns="">
       <p:transition spd="slow">
         <p:fade/>
       </p:transition>
@@ -9984,13 +10175,13 @@
   <p:clrMapOvr>
     <a:masterClrMapping/>
   </p:clrMapOvr>
-  <mc:AlternateContent xmlns:mc="http://schemas.openxmlformats.org/markup-compatibility/2006">
-    <mc:Choice xmlns:p159="http://schemas.microsoft.com/office/powerpoint/2015/09/main" Requires="p159">
+  <mc:AlternateContent xmlns:mc="http://schemas.openxmlformats.org/markup-compatibility/2006" xmlns:p159="http://schemas.microsoft.com/office/powerpoint/2015/09/main">
+    <mc:Choice Requires="p159">
       <p:transition xmlns:p14="http://schemas.microsoft.com/office/powerpoint/2010/main" spd="slow" p14:dur="1590" advClick="0" advTm="0">
         <p159:morph option="byObject"/>
       </p:transition>
     </mc:Choice>
-    <mc:Fallback>
+    <mc:Fallback xmlns="">
       <p:transition spd="slow" advClick="0" advTm="0">
         <p:fade/>
       </p:transition>
@@ -10768,13 +10959,13 @@
   <p:clrMapOvr>
     <a:masterClrMapping/>
   </p:clrMapOvr>
-  <mc:AlternateContent xmlns:mc="http://schemas.openxmlformats.org/markup-compatibility/2006">
-    <mc:Choice xmlns:p159="http://schemas.microsoft.com/office/powerpoint/2015/09/main" Requires="p159">
+  <mc:AlternateContent xmlns:mc="http://schemas.openxmlformats.org/markup-compatibility/2006" xmlns:p159="http://schemas.microsoft.com/office/powerpoint/2015/09/main">
+    <mc:Choice Requires="p159">
       <p:transition xmlns:p14="http://schemas.microsoft.com/office/powerpoint/2010/main" p14:dur="10" advClick="0" advTm="0">
         <p159:morph option="byObject"/>
       </p:transition>
     </mc:Choice>
-    <mc:Fallback>
+    <mc:Fallback xmlns="">
       <p:transition advClick="0" advTm="0">
         <p:fade/>
       </p:transition>
@@ -12669,13 +12860,13 @@
   <p:clrMapOvr>
     <a:masterClrMapping/>
   </p:clrMapOvr>
-  <mc:AlternateContent xmlns:mc="http://schemas.openxmlformats.org/markup-compatibility/2006">
-    <mc:Choice xmlns:p159="http://schemas.microsoft.com/office/powerpoint/2015/09/main" Requires="p159">
+  <mc:AlternateContent xmlns:mc="http://schemas.openxmlformats.org/markup-compatibility/2006" xmlns:p159="http://schemas.microsoft.com/office/powerpoint/2015/09/main">
+    <mc:Choice Requires="p159">
       <p:transition xmlns:p14="http://schemas.microsoft.com/office/powerpoint/2010/main" spd="slow" p14:dur="1590">
         <p159:morph option="byObject"/>
       </p:transition>
     </mc:Choice>
-    <mc:Fallback>
+    <mc:Fallback xmlns="">
       <p:transition spd="slow">
         <p:fade/>
       </p:transition>
@@ -13453,13 +13644,13 @@
   <p:clrMapOvr>
     <a:masterClrMapping/>
   </p:clrMapOvr>
-  <mc:AlternateContent xmlns:mc="http://schemas.openxmlformats.org/markup-compatibility/2006">
-    <mc:Choice xmlns:p159="http://schemas.microsoft.com/office/powerpoint/2015/09/main" Requires="p159">
+  <mc:AlternateContent xmlns:mc="http://schemas.openxmlformats.org/markup-compatibility/2006" xmlns:p159="http://schemas.microsoft.com/office/powerpoint/2015/09/main">
+    <mc:Choice Requires="p159">
       <p:transition xmlns:p14="http://schemas.microsoft.com/office/powerpoint/2010/main" spd="slow" p14:dur="1590" advClick="0" advTm="0">
         <p159:morph option="byObject"/>
       </p:transition>
     </mc:Choice>
-    <mc:Fallback>
+    <mc:Fallback xmlns="">
       <p:transition spd="slow" advClick="0" advTm="0">
         <p:fade/>
       </p:transition>
@@ -14237,13 +14428,13 @@
   <p:clrMapOvr>
     <a:masterClrMapping/>
   </p:clrMapOvr>
-  <mc:AlternateContent xmlns:mc="http://schemas.openxmlformats.org/markup-compatibility/2006">
-    <mc:Choice xmlns:p159="http://schemas.microsoft.com/office/powerpoint/2015/09/main" Requires="p159">
+  <mc:AlternateContent xmlns:mc="http://schemas.openxmlformats.org/markup-compatibility/2006" xmlns:p159="http://schemas.microsoft.com/office/powerpoint/2015/09/main">
+    <mc:Choice Requires="p159">
       <p:transition xmlns:p14="http://schemas.microsoft.com/office/powerpoint/2010/main" p14:dur="10" advClick="0" advTm="0">
         <p159:morph option="byObject"/>
       </p:transition>
     </mc:Choice>
-    <mc:Fallback>
+    <mc:Fallback xmlns="">
       <p:transition advClick="0" advTm="0">
         <p:fade/>
       </p:transition>
@@ -15272,7 +15463,7 @@
                   <a:srgbClr val="D27C42"/>
                 </a:solidFill>
               </a:rPr>
-              <a:t>action – where data goes</a:t>
+              <a:t>action – Use for where data goes</a:t>
             </a:r>
           </a:p>
           <a:p>
@@ -15283,7 +15474,7 @@
                   <a:srgbClr val="00B050"/>
                 </a:solidFill>
               </a:rPr>
-              <a:t>method – get or post</a:t>
+              <a:t>method – Use for get or post</a:t>
             </a:r>
           </a:p>
           <a:p>
@@ -15294,7 +15485,7 @@
                   <a:srgbClr val="00B050"/>
                 </a:solidFill>
               </a:rPr>
-              <a:t>id &amp; name – identification</a:t>
+              <a:t>id &amp; name – Use for identification</a:t>
             </a:r>
           </a:p>
           <a:p>
@@ -15305,21 +15496,8 @@
                   <a:srgbClr val="00B050"/>
                 </a:solidFill>
               </a:rPr>
-              <a:t>autocomplete &amp; </a:t>
+              <a:t>autocomplete &amp; enctype</a:t>
             </a:r>
-            <a:r>
-              <a:rPr lang="en-US" dirty="0" err="1">
-                <a:solidFill>
-                  <a:srgbClr val="00B050"/>
-                </a:solidFill>
-              </a:rPr>
-              <a:t>enctype</a:t>
-            </a:r>
-            <a:endParaRPr lang="en-US" dirty="0">
-              <a:solidFill>
-                <a:srgbClr val="00B050"/>
-              </a:solidFill>
-            </a:endParaRPr>
           </a:p>
         </p:txBody>
       </p:sp>
@@ -15333,13 +15511,13 @@
   <p:clrMapOvr>
     <a:masterClrMapping/>
   </p:clrMapOvr>
-  <mc:AlternateContent xmlns:mc="http://schemas.openxmlformats.org/markup-compatibility/2006">
-    <mc:Choice xmlns:p159="http://schemas.microsoft.com/office/powerpoint/2015/09/main" Requires="p159">
+  <mc:AlternateContent xmlns:mc="http://schemas.openxmlformats.org/markup-compatibility/2006" xmlns:p159="http://schemas.microsoft.com/office/powerpoint/2015/09/main">
+    <mc:Choice Requires="p159">
       <p:transition xmlns:p14="http://schemas.microsoft.com/office/powerpoint/2010/main" spd="slow" p14:dur="1590">
         <p159:morph option="byObject"/>
       </p:transition>
     </mc:Choice>
-    <mc:Fallback>
+    <mc:Fallback xmlns="">
       <p:transition spd="slow">
         <p:fade/>
       </p:transition>
@@ -16117,13 +16295,13 @@
   <p:clrMapOvr>
     <a:masterClrMapping/>
   </p:clrMapOvr>
-  <mc:AlternateContent xmlns:mc="http://schemas.openxmlformats.org/markup-compatibility/2006">
-    <mc:Choice xmlns:p159="http://schemas.microsoft.com/office/powerpoint/2015/09/main" Requires="p159">
+  <mc:AlternateContent xmlns:mc="http://schemas.openxmlformats.org/markup-compatibility/2006" xmlns:p159="http://schemas.microsoft.com/office/powerpoint/2015/09/main">
+    <mc:Choice Requires="p159">
       <p:transition xmlns:p14="http://schemas.microsoft.com/office/powerpoint/2010/main" spd="slow" p14:dur="1590" advClick="0" advTm="0">
         <p159:morph option="byObject"/>
       </p:transition>
     </mc:Choice>
-    <mc:Fallback>
+    <mc:Fallback xmlns="">
       <p:transition spd="slow" advClick="0" advTm="0">
         <p:fade/>
       </p:transition>
@@ -16901,13 +17079,13 @@
   <p:clrMapOvr>
     <a:masterClrMapping/>
   </p:clrMapOvr>
-  <mc:AlternateContent xmlns:mc="http://schemas.openxmlformats.org/markup-compatibility/2006">
-    <mc:Choice xmlns:p159="http://schemas.microsoft.com/office/powerpoint/2015/09/main" Requires="p159">
+  <mc:AlternateContent xmlns:mc="http://schemas.openxmlformats.org/markup-compatibility/2006" xmlns:p159="http://schemas.microsoft.com/office/powerpoint/2015/09/main">
+    <mc:Choice Requires="p159">
       <p:transition xmlns:p14="http://schemas.microsoft.com/office/powerpoint/2010/main" p14:dur="10" advClick="0" advTm="0">
         <p159:morph option="byObject"/>
       </p:transition>
     </mc:Choice>
-    <mc:Fallback>
+    <mc:Fallback xmlns="">
       <p:transition advClick="0" advTm="0">
         <p:fade/>
       </p:transition>
@@ -18784,13 +18962,13 @@
   <p:clrMapOvr>
     <a:masterClrMapping/>
   </p:clrMapOvr>
-  <mc:AlternateContent xmlns:mc="http://schemas.openxmlformats.org/markup-compatibility/2006">
-    <mc:Choice xmlns:p159="http://schemas.microsoft.com/office/powerpoint/2015/09/main" Requires="p159">
+  <mc:AlternateContent xmlns:mc="http://schemas.openxmlformats.org/markup-compatibility/2006" xmlns:p159="http://schemas.microsoft.com/office/powerpoint/2015/09/main">
+    <mc:Choice Requires="p159">
       <p:transition xmlns:p14="http://schemas.microsoft.com/office/powerpoint/2010/main" spd="slow" p14:dur="1590">
         <p159:morph option="byObject"/>
       </p:transition>
     </mc:Choice>
-    <mc:Fallback>
+    <mc:Fallback xmlns="">
       <p:transition spd="slow">
         <p:fade/>
       </p:transition>
@@ -20717,13 +20895,13 @@
   <p:clrMapOvr>
     <a:masterClrMapping/>
   </p:clrMapOvr>
-  <mc:AlternateContent xmlns:mc="http://schemas.openxmlformats.org/markup-compatibility/2006">
-    <mc:Choice xmlns:p159="http://schemas.microsoft.com/office/powerpoint/2015/09/main" Requires="p159">
+  <mc:AlternateContent xmlns:mc="http://schemas.openxmlformats.org/markup-compatibility/2006" xmlns:p159="http://schemas.microsoft.com/office/powerpoint/2015/09/main">
+    <mc:Choice Requires="p159">
       <p:transition xmlns:p14="http://schemas.microsoft.com/office/powerpoint/2010/main" spd="slow" p14:dur="1590">
         <p159:morph option="byObject"/>
       </p:transition>
     </mc:Choice>
-    <mc:Fallback>
+    <mc:Fallback xmlns="">
       <p:transition spd="slow">
         <p:fade/>
       </p:transition>
@@ -21501,13 +21679,13 @@
   <p:clrMapOvr>
     <a:masterClrMapping/>
   </p:clrMapOvr>
-  <mc:AlternateContent xmlns:mc="http://schemas.openxmlformats.org/markup-compatibility/2006">
-    <mc:Choice xmlns:p159="http://schemas.microsoft.com/office/powerpoint/2015/09/main" Requires="p159">
+  <mc:AlternateContent xmlns:mc="http://schemas.openxmlformats.org/markup-compatibility/2006" xmlns:p159="http://schemas.microsoft.com/office/powerpoint/2015/09/main">
+    <mc:Choice Requires="p159">
       <p:transition xmlns:p14="http://schemas.microsoft.com/office/powerpoint/2010/main" spd="slow" p14:dur="1590" advClick="0" advTm="0">
         <p159:morph option="byObject"/>
       </p:transition>
     </mc:Choice>
-    <mc:Fallback>
+    <mc:Fallback xmlns="">
       <p:transition spd="slow" advClick="0" advTm="0">
         <p:fade/>
       </p:transition>
@@ -22285,13 +22463,13 @@
   <p:clrMapOvr>
     <a:masterClrMapping/>
   </p:clrMapOvr>
-  <mc:AlternateContent xmlns:mc="http://schemas.openxmlformats.org/markup-compatibility/2006">
-    <mc:Choice xmlns:p159="http://schemas.microsoft.com/office/powerpoint/2015/09/main" Requires="p159">
+  <mc:AlternateContent xmlns:mc="http://schemas.openxmlformats.org/markup-compatibility/2006" xmlns:p159="http://schemas.microsoft.com/office/powerpoint/2015/09/main">
+    <mc:Choice Requires="p159">
       <p:transition xmlns:p14="http://schemas.microsoft.com/office/powerpoint/2010/main" p14:dur="10" advClick="0" advTm="0">
         <p159:morph option="byObject"/>
       </p:transition>
     </mc:Choice>
-    <mc:Fallback>
+    <mc:Fallback xmlns="">
       <p:transition advClick="0" advTm="0">
         <p:fade/>
       </p:transition>
@@ -23351,13 +23529,13 @@
   <p:clrMapOvr>
     <a:masterClrMapping/>
   </p:clrMapOvr>
-  <mc:AlternateContent xmlns:mc="http://schemas.openxmlformats.org/markup-compatibility/2006">
-    <mc:Choice xmlns:p159="http://schemas.microsoft.com/office/powerpoint/2015/09/main" Requires="p159">
+  <mc:AlternateContent xmlns:mc="http://schemas.openxmlformats.org/markup-compatibility/2006" xmlns:p159="http://schemas.microsoft.com/office/powerpoint/2015/09/main">
+    <mc:Choice Requires="p159">
       <p:transition xmlns:p14="http://schemas.microsoft.com/office/powerpoint/2010/main" spd="slow" p14:dur="1590">
         <p159:morph option="byObject"/>
       </p:transition>
     </mc:Choice>
-    <mc:Fallback>
+    <mc:Fallback xmlns="">
       <p:transition spd="slow">
         <p:fade/>
       </p:transition>
@@ -24135,13 +24313,13 @@
   <p:clrMapOvr>
     <a:masterClrMapping/>
   </p:clrMapOvr>
-  <mc:AlternateContent xmlns:mc="http://schemas.openxmlformats.org/markup-compatibility/2006">
-    <mc:Choice xmlns:p159="http://schemas.microsoft.com/office/powerpoint/2015/09/main" Requires="p159">
+  <mc:AlternateContent xmlns:mc="http://schemas.openxmlformats.org/markup-compatibility/2006" xmlns:p159="http://schemas.microsoft.com/office/powerpoint/2015/09/main">
+    <mc:Choice Requires="p159">
       <p:transition xmlns:p14="http://schemas.microsoft.com/office/powerpoint/2010/main" spd="slow" p14:dur="1590" advClick="0" advTm="0">
         <p159:morph option="byObject"/>
       </p:transition>
     </mc:Choice>
-    <mc:Fallback>
+    <mc:Fallback xmlns="">
       <p:transition spd="slow" advClick="0" advTm="0">
         <p:fade/>
       </p:transition>
@@ -24919,13 +25097,13 @@
   <p:clrMapOvr>
     <a:masterClrMapping/>
   </p:clrMapOvr>
-  <mc:AlternateContent xmlns:mc="http://schemas.openxmlformats.org/markup-compatibility/2006">
-    <mc:Choice xmlns:p159="http://schemas.microsoft.com/office/powerpoint/2015/09/main" Requires="p159">
+  <mc:AlternateContent xmlns:mc="http://schemas.openxmlformats.org/markup-compatibility/2006" xmlns:p159="http://schemas.microsoft.com/office/powerpoint/2015/09/main">
+    <mc:Choice Requires="p159">
       <p:transition xmlns:p14="http://schemas.microsoft.com/office/powerpoint/2010/main" p14:dur="10" advClick="0" advTm="0">
         <p159:morph option="byObject"/>
       </p:transition>
     </mc:Choice>
-    <mc:Fallback>
+    <mc:Fallback xmlns="">
       <p:transition advClick="0" advTm="0">
         <p:fade/>
       </p:transition>
@@ -26795,7 +26973,7 @@
                   <a:srgbClr val="D27C42"/>
                 </a:solidFill>
               </a:rPr>
-              <a:t>Essential for exams &amp; interviews</a:t>
+              <a:t>Needed for exams &amp; interviews</a:t>
             </a:r>
           </a:p>
           <a:p>
@@ -26824,13 +27002,13 @@
   <p:clrMapOvr>
     <a:masterClrMapping/>
   </p:clrMapOvr>
-  <mc:AlternateContent xmlns:mc="http://schemas.openxmlformats.org/markup-compatibility/2006">
-    <mc:Choice xmlns:p159="http://schemas.microsoft.com/office/powerpoint/2015/09/main" Requires="p159">
+  <mc:AlternateContent xmlns:mc="http://schemas.openxmlformats.org/markup-compatibility/2006" xmlns:p159="http://schemas.microsoft.com/office/powerpoint/2015/09/main">
+    <mc:Choice Requires="p159">
       <p:transition xmlns:p14="http://schemas.microsoft.com/office/powerpoint/2010/main" spd="slow" p14:dur="1590">
         <p159:morph option="byObject"/>
       </p:transition>
     </mc:Choice>
-    <mc:Fallback>
+    <mc:Fallback xmlns="">
       <p:transition spd="slow">
         <p:fade/>
       </p:transition>
@@ -27608,13 +27786,13 @@
   <p:clrMapOvr>
     <a:masterClrMapping/>
   </p:clrMapOvr>
-  <mc:AlternateContent xmlns:mc="http://schemas.openxmlformats.org/markup-compatibility/2006">
-    <mc:Choice xmlns:p159="http://schemas.microsoft.com/office/powerpoint/2015/09/main" Requires="p159">
+  <mc:AlternateContent xmlns:mc="http://schemas.openxmlformats.org/markup-compatibility/2006" xmlns:p159="http://schemas.microsoft.com/office/powerpoint/2015/09/main">
+    <mc:Choice Requires="p159">
       <p:transition xmlns:p14="http://schemas.microsoft.com/office/powerpoint/2010/main" spd="slow" p14:dur="1590" advClick="0" advTm="0">
         <p159:morph option="byObject"/>
       </p:transition>
     </mc:Choice>
-    <mc:Fallback>
+    <mc:Fallback xmlns="">
       <p:transition spd="slow" advClick="0" advTm="0">
         <p:fade/>
       </p:transition>
@@ -28392,13 +28570,13 @@
   <p:clrMapOvr>
     <a:masterClrMapping/>
   </p:clrMapOvr>
-  <mc:AlternateContent xmlns:mc="http://schemas.openxmlformats.org/markup-compatibility/2006">
-    <mc:Choice xmlns:p159="http://schemas.microsoft.com/office/powerpoint/2015/09/main" Requires="p159">
+  <mc:AlternateContent xmlns:mc="http://schemas.openxmlformats.org/markup-compatibility/2006" xmlns:p159="http://schemas.microsoft.com/office/powerpoint/2015/09/main">
+    <mc:Choice Requires="p159">
       <p:transition xmlns:p14="http://schemas.microsoft.com/office/powerpoint/2010/main" p14:dur="10" advClick="0" advTm="0">
         <p159:morph option="byObject"/>
       </p:transition>
     </mc:Choice>
-    <mc:Fallback>
+    <mc:Fallback xmlns="">
       <p:transition advClick="0" advTm="0">
         <p:fade/>
       </p:transition>
@@ -29445,13 +29623,13 @@
   <p:clrMapOvr>
     <a:masterClrMapping/>
   </p:clrMapOvr>
-  <mc:AlternateContent xmlns:mc="http://schemas.openxmlformats.org/markup-compatibility/2006">
-    <mc:Choice xmlns:p159="http://schemas.microsoft.com/office/powerpoint/2015/09/main" Requires="p159">
+  <mc:AlternateContent xmlns:mc="http://schemas.openxmlformats.org/markup-compatibility/2006" xmlns:p159="http://schemas.microsoft.com/office/powerpoint/2015/09/main">
+    <mc:Choice Requires="p159">
       <p:transition xmlns:p14="http://schemas.microsoft.com/office/powerpoint/2010/main" spd="slow" p14:dur="1590">
         <p159:morph option="byObject"/>
       </p:transition>
     </mc:Choice>
-    <mc:Fallback>
+    <mc:Fallback xmlns="">
       <p:transition spd="slow">
         <p:fade/>
       </p:transition>
@@ -30229,13 +30407,13 @@
   <p:clrMapOvr>
     <a:masterClrMapping/>
   </p:clrMapOvr>
-  <mc:AlternateContent xmlns:mc="http://schemas.openxmlformats.org/markup-compatibility/2006">
-    <mc:Choice xmlns:p159="http://schemas.microsoft.com/office/powerpoint/2015/09/main" Requires="p159">
+  <mc:AlternateContent xmlns:mc="http://schemas.openxmlformats.org/markup-compatibility/2006" xmlns:p159="http://schemas.microsoft.com/office/powerpoint/2015/09/main">
+    <mc:Choice Requires="p159">
       <p:transition xmlns:p14="http://schemas.microsoft.com/office/powerpoint/2010/main" spd="slow" p14:dur="1590" advClick="0" advTm="0">
         <p159:morph option="byObject"/>
       </p:transition>
     </mc:Choice>
-    <mc:Fallback>
+    <mc:Fallback xmlns="">
       <p:transition spd="slow" advClick="0" advTm="0">
         <p:fade/>
       </p:transition>
@@ -31013,13 +31191,13 @@
   <p:clrMapOvr>
     <a:masterClrMapping/>
   </p:clrMapOvr>
-  <mc:AlternateContent xmlns:mc="http://schemas.openxmlformats.org/markup-compatibility/2006">
-    <mc:Choice xmlns:p159="http://schemas.microsoft.com/office/powerpoint/2015/09/main" Requires="p159">
+  <mc:AlternateContent xmlns:mc="http://schemas.openxmlformats.org/markup-compatibility/2006" xmlns:p159="http://schemas.microsoft.com/office/powerpoint/2015/09/main">
+    <mc:Choice Requires="p159">
       <p:transition xmlns:p14="http://schemas.microsoft.com/office/powerpoint/2010/main" p14:dur="10" advClick="0" advTm="0">
         <p159:morph option="byObject"/>
       </p:transition>
     </mc:Choice>
-    <mc:Fallback>
+    <mc:Fallback xmlns="">
       <p:transition advClick="0" advTm="0">
         <p:fade/>
       </p:transition>
@@ -32079,13 +32257,13 @@
   <p:clrMapOvr>
     <a:masterClrMapping/>
   </p:clrMapOvr>
-  <mc:AlternateContent xmlns:mc="http://schemas.openxmlformats.org/markup-compatibility/2006">
-    <mc:Choice xmlns:p159="http://schemas.microsoft.com/office/powerpoint/2015/09/main" Requires="p159">
+  <mc:AlternateContent xmlns:mc="http://schemas.openxmlformats.org/markup-compatibility/2006" xmlns:p159="http://schemas.microsoft.com/office/powerpoint/2015/09/main">
+    <mc:Choice Requires="p159">
       <p:transition xmlns:p14="http://schemas.microsoft.com/office/powerpoint/2010/main" spd="slow" p14:dur="1590">
         <p159:morph option="byObject"/>
       </p:transition>
     </mc:Choice>
-    <mc:Fallback>
+    <mc:Fallback xmlns="">
       <p:transition spd="slow">
         <p:fade/>
       </p:transition>
@@ -32863,13 +33041,13 @@
   <p:clrMapOvr>
     <a:masterClrMapping/>
   </p:clrMapOvr>
-  <mc:AlternateContent xmlns:mc="http://schemas.openxmlformats.org/markup-compatibility/2006">
-    <mc:Choice xmlns:p159="http://schemas.microsoft.com/office/powerpoint/2015/09/main" Requires="p159">
+  <mc:AlternateContent xmlns:mc="http://schemas.openxmlformats.org/markup-compatibility/2006" xmlns:p159="http://schemas.microsoft.com/office/powerpoint/2015/09/main">
+    <mc:Choice Requires="p159">
       <p:transition xmlns:p14="http://schemas.microsoft.com/office/powerpoint/2010/main" spd="slow" p14:dur="1590" advClick="0" advTm="0">
         <p159:morph option="byObject"/>
       </p:transition>
     </mc:Choice>
-    <mc:Fallback>
+    <mc:Fallback xmlns="">
       <p:transition spd="slow" advClick="0" advTm="0">
         <p:fade/>
       </p:transition>
@@ -33647,13 +33825,13 @@
   <p:clrMapOvr>
     <a:masterClrMapping/>
   </p:clrMapOvr>
-  <mc:AlternateContent xmlns:mc="http://schemas.openxmlformats.org/markup-compatibility/2006">
-    <mc:Choice xmlns:p159="http://schemas.microsoft.com/office/powerpoint/2015/09/main" Requires="p159">
+  <mc:AlternateContent xmlns:mc="http://schemas.openxmlformats.org/markup-compatibility/2006" xmlns:p159="http://schemas.microsoft.com/office/powerpoint/2015/09/main">
+    <mc:Choice Requires="p159">
       <p:transition xmlns:p14="http://schemas.microsoft.com/office/powerpoint/2010/main" p14:dur="10" advClick="0" advTm="0">
         <p159:morph option="byObject"/>
       </p:transition>
     </mc:Choice>
-    <mc:Fallback>
+    <mc:Fallback xmlns="">
       <p:transition advClick="0" advTm="0">
         <p:fade/>
       </p:transition>
@@ -35546,13 +35724,13 @@
   <p:clrMapOvr>
     <a:masterClrMapping/>
   </p:clrMapOvr>
-  <mc:AlternateContent xmlns:mc="http://schemas.openxmlformats.org/markup-compatibility/2006">
-    <mc:Choice xmlns:p159="http://schemas.microsoft.com/office/powerpoint/2015/09/main" Requires="p159">
+  <mc:AlternateContent xmlns:mc="http://schemas.openxmlformats.org/markup-compatibility/2006" xmlns:p159="http://schemas.microsoft.com/office/powerpoint/2015/09/main">
+    <mc:Choice Requires="p159">
       <p:transition xmlns:p14="http://schemas.microsoft.com/office/powerpoint/2010/main" spd="slow" p14:dur="1590">
         <p159:morph option="byObject"/>
       </p:transition>
     </mc:Choice>
-    <mc:Fallback>
+    <mc:Fallback xmlns="">
       <p:transition spd="slow">
         <p:fade/>
       </p:transition>
@@ -36330,13 +36508,13 @@
   <p:clrMapOvr>
     <a:masterClrMapping/>
   </p:clrMapOvr>
-  <mc:AlternateContent xmlns:mc="http://schemas.openxmlformats.org/markup-compatibility/2006">
-    <mc:Choice xmlns:p159="http://schemas.microsoft.com/office/powerpoint/2015/09/main" Requires="p159">
+  <mc:AlternateContent xmlns:mc="http://schemas.openxmlformats.org/markup-compatibility/2006" xmlns:p159="http://schemas.microsoft.com/office/powerpoint/2015/09/main">
+    <mc:Choice Requires="p159">
       <p:transition xmlns:p14="http://schemas.microsoft.com/office/powerpoint/2010/main" spd="slow" p14:dur="1590" advClick="0" advTm="0">
         <p159:morph option="byObject"/>
       </p:transition>
     </mc:Choice>
-    <mc:Fallback>
+    <mc:Fallback xmlns="">
       <p:transition spd="slow" advClick="0" advTm="0">
         <p:fade/>
       </p:transition>

--- a/Practice/Harsh S Kharecha PPT.pptx
+++ b/Practice/Harsh S Kharecha PPT.pptx
@@ -21,7 +21,7 @@
     <p:sldId id="268" r:id="rId12"/>
     <p:sldId id="270" r:id="rId13"/>
     <p:sldId id="271" r:id="rId14"/>
-    <p:sldId id="272" r:id="rId15"/>
+    <p:sldId id="293" r:id="rId15"/>
     <p:sldId id="274" r:id="rId16"/>
     <p:sldId id="275" r:id="rId17"/>
     <p:sldId id="276" r:id="rId18"/>
@@ -225,7 +225,7 @@
           <a:p>
             <a:fld id="{461F5EA7-E9EA-4A4F-86DB-726BC8467098}" type="datetimeFigureOut">
               <a:rPr lang="en-US" smtClean="0"/>
-              <a:t>1/9/2026</a:t>
+              <a:t>1/10/2026</a:t>
             </a:fld>
             <a:endParaRPr lang="en-US"/>
           </a:p>
@@ -3835,7 +3835,7 @@
           <a:p>
             <a:fld id="{A74AD4F0-8F04-48CF-BBED-3A088ECD3B7E}" type="datetimeFigureOut">
               <a:rPr lang="en-US" smtClean="0"/>
-              <a:t>1/9/2026</a:t>
+              <a:t>1/10/2026</a:t>
             </a:fld>
             <a:endParaRPr lang="en-US"/>
           </a:p>
@@ -4033,7 +4033,7 @@
           <a:p>
             <a:fld id="{A74AD4F0-8F04-48CF-BBED-3A088ECD3B7E}" type="datetimeFigureOut">
               <a:rPr lang="en-US" smtClean="0"/>
-              <a:t>1/9/2026</a:t>
+              <a:t>1/10/2026</a:t>
             </a:fld>
             <a:endParaRPr lang="en-US"/>
           </a:p>
@@ -4241,7 +4241,7 @@
           <a:p>
             <a:fld id="{A74AD4F0-8F04-48CF-BBED-3A088ECD3B7E}" type="datetimeFigureOut">
               <a:rPr lang="en-US" smtClean="0"/>
-              <a:t>1/9/2026</a:t>
+              <a:t>1/10/2026</a:t>
             </a:fld>
             <a:endParaRPr lang="en-US"/>
           </a:p>
@@ -4439,7 +4439,7 @@
           <a:p>
             <a:fld id="{A74AD4F0-8F04-48CF-BBED-3A088ECD3B7E}" type="datetimeFigureOut">
               <a:rPr lang="en-US" smtClean="0"/>
-              <a:t>1/9/2026</a:t>
+              <a:t>1/10/2026</a:t>
             </a:fld>
             <a:endParaRPr lang="en-US"/>
           </a:p>
@@ -4714,7 +4714,7 @@
           <a:p>
             <a:fld id="{A74AD4F0-8F04-48CF-BBED-3A088ECD3B7E}" type="datetimeFigureOut">
               <a:rPr lang="en-US" smtClean="0"/>
-              <a:t>1/9/2026</a:t>
+              <a:t>1/10/2026</a:t>
             </a:fld>
             <a:endParaRPr lang="en-US"/>
           </a:p>
@@ -4979,7 +4979,7 @@
           <a:p>
             <a:fld id="{A74AD4F0-8F04-48CF-BBED-3A088ECD3B7E}" type="datetimeFigureOut">
               <a:rPr lang="en-US" smtClean="0"/>
-              <a:t>1/9/2026</a:t>
+              <a:t>1/10/2026</a:t>
             </a:fld>
             <a:endParaRPr lang="en-US"/>
           </a:p>
@@ -5391,7 +5391,7 @@
           <a:p>
             <a:fld id="{A74AD4F0-8F04-48CF-BBED-3A088ECD3B7E}" type="datetimeFigureOut">
               <a:rPr lang="en-US" smtClean="0"/>
-              <a:t>1/9/2026</a:t>
+              <a:t>1/10/2026</a:t>
             </a:fld>
             <a:endParaRPr lang="en-US"/>
           </a:p>
@@ -5532,7 +5532,7 @@
           <a:p>
             <a:fld id="{A74AD4F0-8F04-48CF-BBED-3A088ECD3B7E}" type="datetimeFigureOut">
               <a:rPr lang="en-US" smtClean="0"/>
-              <a:t>1/9/2026</a:t>
+              <a:t>1/10/2026</a:t>
             </a:fld>
             <a:endParaRPr lang="en-US"/>
           </a:p>
@@ -5645,7 +5645,7 @@
           <a:p>
             <a:fld id="{A74AD4F0-8F04-48CF-BBED-3A088ECD3B7E}" type="datetimeFigureOut">
               <a:rPr lang="en-US" smtClean="0"/>
-              <a:t>1/9/2026</a:t>
+              <a:t>1/10/2026</a:t>
             </a:fld>
             <a:endParaRPr lang="en-US"/>
           </a:p>
@@ -5956,7 +5956,7 @@
           <a:p>
             <a:fld id="{A74AD4F0-8F04-48CF-BBED-3A088ECD3B7E}" type="datetimeFigureOut">
               <a:rPr lang="en-US" smtClean="0"/>
-              <a:t>1/9/2026</a:t>
+              <a:t>1/10/2026</a:t>
             </a:fld>
             <a:endParaRPr lang="en-US"/>
           </a:p>
@@ -6244,7 +6244,7 @@
           <a:p>
             <a:fld id="{A74AD4F0-8F04-48CF-BBED-3A088ECD3B7E}" type="datetimeFigureOut">
               <a:rPr lang="en-US" smtClean="0"/>
-              <a:t>1/9/2026</a:t>
+              <a:t>1/10/2026</a:t>
             </a:fld>
             <a:endParaRPr lang="en-US"/>
           </a:p>
@@ -6485,7 +6485,7 @@
           <a:p>
             <a:fld id="{A74AD4F0-8F04-48CF-BBED-3A088ECD3B7E}" type="datetimeFigureOut">
               <a:rPr lang="en-US" smtClean="0"/>
-              <a:t>1/9/2026</a:t>
+              <a:t>1/10/2026</a:t>
             </a:fld>
             <a:endParaRPr lang="en-US"/>
           </a:p>
@@ -12853,7 +12853,7 @@
     </p:spTree>
     <p:extLst>
       <p:ext uri="{BB962C8B-B14F-4D97-AF65-F5344CB8AC3E}">
-        <p14:creationId xmlns:p14="http://schemas.microsoft.com/office/powerpoint/2010/main" val="1730102252"/>
+        <p14:creationId xmlns:p14="http://schemas.microsoft.com/office/powerpoint/2010/main" val="112928384"/>
       </p:ext>
     </p:extLst>
   </p:cSld>
@@ -15496,7 +15496,26 @@
                   <a:srgbClr val="00B050"/>
                 </a:solidFill>
               </a:rPr>
-              <a:t>autocomplete &amp; enctype</a:t>
+              <a:t>Autocomplete – Suggests previously entered values </a:t>
+            </a:r>
+          </a:p>
+          <a:p>
+            <a:pPr lvl="1"/>
+            <a:r>
+              <a:rPr lang="en-US" dirty="0" err="1">
+                <a:solidFill>
+                  <a:srgbClr val="00B050"/>
+                </a:solidFill>
+              </a:rPr>
+              <a:t>Enctype</a:t>
+            </a:r>
+            <a:r>
+              <a:rPr lang="en-US" dirty="0">
+                <a:solidFill>
+                  <a:srgbClr val="00B050"/>
+                </a:solidFill>
+              </a:rPr>
+              <a:t> – Encoding type for file uploads</a:t>
             </a:r>
           </a:p>
         </p:txBody>
